--- a/MongoDB.pptx
+++ b/MongoDB.pptx
@@ -113,6 +113,11 @@
       </a:defRPr>
     </a:lvl9pPr>
   </p:defaultTextStyle>
+  <p:extLst>
+    <p:ext uri="{EFAFB233-063F-42B5-8137-9DF3F51BA10A}">
+      <p15:sldGuideLst xmlns:p15="http://schemas.microsoft.com/office/powerpoint/2012/main"/>
+    </p:ext>
+  </p:extLst>
 </p:presentation>
 </file>
 
@@ -510,9 +515,59 @@
           <a:lstStyle/>
           <a:p>
             <a:r>
+              <a:rPr lang="fr-FR" sz="1200" b="0" i="0" kern="1200" dirty="0">
+                <a:solidFill>
+                  <a:schemeClr val="tx1"/>
+                </a:solidFill>
+                <a:effectLst/>
+                <a:latin typeface="+mn-lt"/>
+                <a:ea typeface="+mn-ea"/>
+                <a:cs typeface="+mn-cs"/>
+              </a:rPr>
+              <a:t>Nous disposons d’ores et déjà d’une API NodeJS liée à un cluster MongoDB et d’une application Ionic.</a:t>
+            </a:r>
+          </a:p>
+          <a:p>
+            <a:r>
+              <a:rPr lang="fr-FR" sz="1200" b="0" i="0" kern="1200" dirty="0">
+                <a:solidFill>
+                  <a:schemeClr val="tx1"/>
+                </a:solidFill>
+                <a:effectLst/>
+                <a:latin typeface="+mn-lt"/>
+                <a:ea typeface="+mn-ea"/>
+                <a:cs typeface="+mn-cs"/>
+              </a:rPr>
+              <a:t>Notre base de données contient une collection d’utilisateurs, une collection de favoris, et une dernière de commentaires.</a:t>
+            </a:r>
+          </a:p>
+          <a:p>
+            <a:r>
+              <a:rPr lang="fr-FR" sz="1200" b="0" i="0" kern="1200" dirty="0">
+                <a:solidFill>
+                  <a:schemeClr val="tx1"/>
+                </a:solidFill>
+                <a:effectLst/>
+                <a:latin typeface="+mn-lt"/>
+                <a:ea typeface="+mn-ea"/>
+                <a:cs typeface="+mn-cs"/>
+              </a:rPr>
+              <a:t>Notre application permet à un utilisateur anonyme ou connecté d’effectuer une recherche à travers une base de données de films, de les ajouter à ses favoris ou de laisser des commentaires.</a:t>
+            </a:r>
+          </a:p>
+          <a:p>
+            <a:endParaRPr lang="fr-FR" dirty="0"/>
+          </a:p>
+          <a:p>
+            <a:r>
               <a:rPr lang="fr-FR" dirty="0"/>
-              <a:t>Démonstration de l’application</a:t>
+              <a:t>Petite démo de l’api </a:t>
             </a:r>
+            <a:r>
+              <a:rPr lang="fr-FR"/>
+              <a:t>avec Postman et sur Ionic.</a:t>
+            </a:r>
+            <a:endParaRPr lang="fr-FR" dirty="0"/>
           </a:p>
         </p:txBody>
       </p:sp>
